--- a/HealthApp/project plan280422.pptx
+++ b/HealthApp/project plan280422.pptx
@@ -3326,6 +3326,7 @@
           <a:p>
             <a:fld id="{4863AC8F-DADF-4502-BC74-7B25604EAB64}" type="datetimeFigureOut">
               <a:rPr lang="en-US" smtClean="0"/>
+              <a:pPr/>
               <a:t>4/28/2022</a:t>
             </a:fld>
             <a:endParaRPr lang="en-US"/>
@@ -3487,6 +3488,7 @@
           <a:p>
             <a:fld id="{85FEBA8E-293E-45BB-952B-1981C1A57B63}" type="slidenum">
               <a:rPr lang="en-US" smtClean="0"/>
+              <a:pPr/>
               <a:t>‹#›</a:t>
             </a:fld>
             <a:endParaRPr lang="en-US"/>
@@ -3658,6 +3660,7 @@
           <a:p>
             <a:fld id="{85FEBA8E-293E-45BB-952B-1981C1A57B63}" type="slidenum">
               <a:rPr lang="en-US" smtClean="0"/>
+              <a:pPr/>
               <a:t>1</a:t>
             </a:fld>
             <a:endParaRPr lang="en-US"/>
@@ -3891,6 +3894,7 @@
           <a:p>
             <a:fld id="{368AB5E1-70DA-434F-9E06-0B758AADB649}" type="datetime1">
               <a:rPr lang="en-US" smtClean="0"/>
+              <a:pPr/>
               <a:t>4/28/2022</a:t>
             </a:fld>
             <a:endParaRPr lang="en-US"/>
@@ -4079,6 +4083,7 @@
           <a:p>
             <a:fld id="{991DAE9C-1907-440C-80B8-79D16F0F2C7D}" type="datetime1">
               <a:rPr lang="en-US" smtClean="0"/>
+              <a:pPr/>
               <a:t>4/28/2022</a:t>
             </a:fld>
             <a:endParaRPr lang="en-US"/>
@@ -4255,6 +4260,7 @@
           <a:p>
             <a:fld id="{3EC357A0-8DB6-449F-A10A-DD0C3EDB76B6}" type="datetime1">
               <a:rPr lang="en-US" smtClean="0"/>
+              <a:pPr/>
               <a:t>4/28/2022</a:t>
             </a:fld>
             <a:endParaRPr lang="en-US"/>
@@ -4436,6 +4442,7 @@
           <a:p>
             <a:fld id="{A87438CA-B124-41F4-B9CE-39FDD0AC148C}" type="datetime1">
               <a:rPr lang="en-US" smtClean="0"/>
+              <a:pPr/>
               <a:t>4/28/2022</a:t>
             </a:fld>
             <a:endParaRPr lang="en-US"/>
@@ -4684,6 +4691,7 @@
           <a:p>
             <a:fld id="{D600A70A-D845-4BF5-ADA9-85BFE771B85E}" type="datetime1">
               <a:rPr lang="en-US" smtClean="0"/>
+              <a:pPr/>
               <a:t>4/28/2022</a:t>
             </a:fld>
             <a:endParaRPr lang="en-US"/>
@@ -5159,6 +5167,7 @@
           <a:p>
             <a:fld id="{EDF009D9-4EFF-4519-8A54-F11DE02DBEAD}" type="datetime1">
               <a:rPr lang="en-US" smtClean="0"/>
+              <a:pPr/>
               <a:t>4/28/2022</a:t>
             </a:fld>
             <a:endParaRPr lang="en-US"/>
@@ -5575,6 +5584,7 @@
           <a:p>
             <a:fld id="{AA328457-D595-4105-AEC1-21B9773C6CE6}" type="datetime1">
               <a:rPr lang="en-US" smtClean="0"/>
+              <a:pPr/>
               <a:t>4/28/2022</a:t>
             </a:fld>
             <a:endParaRPr lang="en-US"/>
@@ -5707,6 +5717,7 @@
           <a:p>
             <a:fld id="{B6F19637-66FE-4355-AA7F-E8513D1450B0}" type="datetime1">
               <a:rPr lang="en-US" smtClean="0"/>
+              <a:pPr/>
               <a:t>4/28/2022</a:t>
             </a:fld>
             <a:endParaRPr lang="en-US"/>
@@ -5803,6 +5814,7 @@
           <a:p>
             <a:fld id="{1EF92A3E-A609-4800-890D-2A92C5B0209F}" type="datetime1">
               <a:rPr lang="en-US" smtClean="0"/>
+              <a:pPr/>
               <a:t>4/28/2022</a:t>
             </a:fld>
             <a:endParaRPr lang="en-US"/>
@@ -6082,6 +6094,7 @@
           <a:p>
             <a:fld id="{A4EA3CF6-1F83-4650-BB57-AA1160061838}" type="datetime1">
               <a:rPr lang="en-US" smtClean="0"/>
+              <a:pPr/>
               <a:t>4/28/2022</a:t>
             </a:fld>
             <a:endParaRPr lang="en-US"/>
@@ -6335,6 +6348,7 @@
           <a:p>
             <a:fld id="{67E32D9A-DE63-4817-A177-7AD3D6AA31DA}" type="datetime1">
               <a:rPr lang="en-US" smtClean="0"/>
+              <a:pPr/>
               <a:t>4/28/2022</a:t>
             </a:fld>
             <a:endParaRPr lang="en-US"/>
@@ -6708,6 +6722,7 @@
           <a:p>
             <a:fld id="{89E408F9-7DD5-4AA5-B034-915B4B9B352F}" type="datetime1">
               <a:rPr lang="en-US" smtClean="0"/>
+              <a:pPr/>
               <a:t>4/28/2022</a:t>
             </a:fld>
             <a:endParaRPr lang="en-US"/>
@@ -7168,19 +7183,7 @@
             </a:r>
             <a:r>
               <a:rPr lang="en-AU" sz="2400" dirty="0" smtClean="0"/>
-              <a:t>Build a Health </a:t>
-            </a:r>
-            <a:r>
-              <a:rPr lang="en-AU" sz="2400" dirty="0" smtClean="0"/>
-              <a:t>app to perform </a:t>
-            </a:r>
-            <a:r>
-              <a:rPr lang="en-AU" sz="2400" dirty="0" smtClean="0"/>
-              <a:t>health predictions </a:t>
-            </a:r>
-            <a:r>
-              <a:rPr lang="en-AU" sz="2400" dirty="0" smtClean="0"/>
-              <a:t>for various scenarios by utilising machine learning algorithms, python libraries with front end UI and host on a cloud platform with public access</a:t>
+              <a:t>Build a Health app to perform health predictions for various scenarios by utilising machine learning algorithms, python libraries with front end UI and host on a cloud platform with public access</a:t>
             </a:r>
           </a:p>
           <a:p>
@@ -7715,13 +7718,8 @@
             </a:r>
             <a:r>
               <a:rPr lang="en-AU" b="1" dirty="0" smtClean="0"/>
-              <a:t> Restaurant </a:t>
-            </a:r>
-            <a:r>
-              <a:rPr lang="en-AU" b="1" dirty="0" smtClean="0"/>
-              <a:t>Reviews</a:t>
-            </a:r>
-            <a:endParaRPr lang="en-AU" b="1" dirty="0" smtClean="0"/>
+              <a:t> Restaurant Reviews</a:t>
+            </a:r>
           </a:p>
           <a:p>
             <a:pPr marL="1257300" lvl="2" indent="-342900">
@@ -7734,15 +7732,7 @@
             </a:r>
             <a:r>
               <a:rPr lang="en-AU" dirty="0" smtClean="0"/>
-              <a:t>: Unable to utilise on the project as the data is heavily skewed </a:t>
-            </a:r>
-            <a:r>
-              <a:rPr lang="en-AU" dirty="0" smtClean="0"/>
-              <a:t>on </a:t>
-            </a:r>
-            <a:r>
-              <a:rPr lang="en-AU" dirty="0" smtClean="0"/>
-              <a:t>the restaurants in India</a:t>
+              <a:t>: Unable to utilise on the project as the data is heavily skewed on the restaurants in India</a:t>
             </a:r>
           </a:p>
           <a:p>
@@ -7771,7 +7761,6 @@
               <a:rPr lang="en-AU" dirty="0" smtClean="0"/>
               <a:t>Etc…</a:t>
             </a:r>
-            <a:endParaRPr lang="en-AU" dirty="0" smtClean="0"/>
           </a:p>
         </p:txBody>
       </p:sp>
@@ -7868,15 +7857,7 @@
                   <a:srgbClr val="00B0F0"/>
                 </a:solidFill>
               </a:rPr>
-              <a:t>Cloud </a:t>
-            </a:r>
-            <a:r>
-              <a:rPr lang="en-AU" sz="3200" b="1" dirty="0" smtClean="0">
-                <a:solidFill>
-                  <a:srgbClr val="00B0F0"/>
-                </a:solidFill>
-              </a:rPr>
-              <a:t>Deployment</a:t>
+              <a:t>Cloud Deployment</a:t>
             </a:r>
             <a:endParaRPr lang="en-US" sz="3200" b="1" dirty="0">
               <a:solidFill>
@@ -8066,15 +8047,7 @@
                   <a:srgbClr val="FF0000"/>
                 </a:solidFill>
               </a:rPr>
-              <a:t>Health App </a:t>
-            </a:r>
-            <a:r>
-              <a:rPr lang="en-AU" sz="3200" b="1" dirty="0" smtClean="0">
-                <a:solidFill>
-                  <a:srgbClr val="FF0000"/>
-                </a:solidFill>
-              </a:rPr>
-              <a:t>Demo</a:t>
+              <a:t>Health App Demo</a:t>
             </a:r>
             <a:endParaRPr lang="en-US" sz="3200" b="1" dirty="0">
               <a:solidFill>
@@ -8470,11 +8443,7 @@
             </a:r>
             <a:r>
               <a:rPr lang="en-AU" dirty="0" smtClean="0"/>
-              <a:t>, pickle, Flask API, HTML/CSS/Bootstrap, </a:t>
-            </a:r>
-            <a:r>
-              <a:rPr lang="en-AU" dirty="0" smtClean="0"/>
-              <a:t>etc…</a:t>
+              <a:t>, pickle, Flask API, HTML/CSS/Bootstrap, etc…</a:t>
             </a:r>
           </a:p>
           <a:p>
@@ -8636,11 +8605,7 @@
             </a:pPr>
             <a:r>
               <a:rPr lang="en-AU" sz="2400" b="1" dirty="0" smtClean="0"/>
-              <a:t>Data Sources</a:t>
-            </a:r>
-            <a:r>
-              <a:rPr lang="en-AU" sz="2400" b="1" dirty="0" smtClean="0"/>
-              <a:t>:</a:t>
+              <a:t>Data Sources:</a:t>
             </a:r>
           </a:p>
           <a:p>
@@ -8862,15 +8827,7 @@
             </a:pPr>
             <a:r>
               <a:rPr lang="en-AU" dirty="0" smtClean="0"/>
-              <a:t> Minimum viable product </a:t>
-            </a:r>
-            <a:r>
-              <a:rPr lang="en-AU" dirty="0" smtClean="0"/>
-              <a:t>/ Proof of Concept (MVP/POC): </a:t>
-            </a:r>
-            <a:r>
-              <a:rPr lang="en-AU" dirty="0" smtClean="0"/>
-              <a:t>a working machine learning model (ML) with user interface (UI) front end that hosted on a cloud platform</a:t>
+              <a:t> Minimum viable product / Proof of Concept (MVP/POC): a working machine learning model (ML) with user interface (UI) front end that hosted on a cloud platform</a:t>
             </a:r>
           </a:p>
           <a:p>
@@ -8880,31 +8837,7 @@
             </a:pPr>
             <a:r>
               <a:rPr lang="en-AU" dirty="0" smtClean="0"/>
-              <a:t> </a:t>
-            </a:r>
-            <a:r>
-              <a:rPr lang="en-AU" dirty="0" smtClean="0"/>
-              <a:t>Final product</a:t>
-            </a:r>
-            <a:r>
-              <a:rPr lang="en-AU" dirty="0" smtClean="0"/>
-              <a:t>: </a:t>
-            </a:r>
-            <a:r>
-              <a:rPr lang="en-AU" dirty="0" smtClean="0"/>
-              <a:t>a </a:t>
-            </a:r>
-            <a:r>
-              <a:rPr lang="en-AU" dirty="0" smtClean="0"/>
-              <a:t>scalable </a:t>
-            </a:r>
-            <a:r>
-              <a:rPr lang="en-AU" dirty="0" smtClean="0"/>
-              <a:t>app with </a:t>
-            </a:r>
-            <a:r>
-              <a:rPr lang="en-AU" dirty="0" smtClean="0"/>
-              <a:t>various ML models that hosted on a cloud platform.</a:t>
+              <a:t> Final product: a scalable app with various ML models that hosted on a cloud platform.</a:t>
             </a:r>
           </a:p>
           <a:p>
@@ -8924,15 +8857,7 @@
             </a:pPr>
             <a:r>
               <a:rPr lang="en-AU" dirty="0" smtClean="0"/>
-              <a:t> </a:t>
-            </a:r>
-            <a:r>
-              <a:rPr lang="en-AU" dirty="0" smtClean="0"/>
-              <a:t> </a:t>
-            </a:r>
-            <a:r>
-              <a:rPr lang="en-AU" dirty="0" smtClean="0"/>
-              <a:t>Documentations:</a:t>
+              <a:t>  Documentations:</a:t>
             </a:r>
           </a:p>
           <a:p>
@@ -8942,19 +8867,7 @@
             </a:pPr>
             <a:r>
               <a:rPr lang="en-AU" dirty="0" smtClean="0"/>
-              <a:t> </a:t>
-            </a:r>
-            <a:r>
-              <a:rPr lang="en-AU" dirty="0" smtClean="0"/>
-              <a:t> </a:t>
-            </a:r>
-            <a:r>
-              <a:rPr lang="en-AU" dirty="0" smtClean="0"/>
-              <a:t>Presentation </a:t>
-            </a:r>
-            <a:r>
-              <a:rPr lang="en-AU" dirty="0" smtClean="0"/>
-              <a:t>pack</a:t>
+              <a:t>  Presentation pack</a:t>
             </a:r>
           </a:p>
           <a:p>
@@ -8966,7 +8879,6 @@
               <a:rPr lang="en-AU" dirty="0" smtClean="0"/>
               <a:t>  Project presentation – live App demo</a:t>
             </a:r>
-            <a:endParaRPr lang="en-AU" dirty="0" smtClean="0"/>
           </a:p>
         </p:txBody>
       </p:sp>
@@ -9516,7 +9428,7 @@
                       <a:pPr algn="ctr"/>
                       <a:r>
                         <a:rPr lang="en-AU" sz="1100" dirty="0" smtClean="0"/>
-                        <a:t>In Progress</a:t>
+                        <a:t>Completed</a:t>
                       </a:r>
                       <a:endParaRPr lang="en-US" sz="1100" dirty="0"/>
                     </a:p>
@@ -9535,7 +9447,6 @@
                         <a:rPr lang="en-AU" sz="1100" dirty="0" smtClean="0"/>
                         <a:t>26/4</a:t>
                       </a:r>
-                      <a:endParaRPr lang="en-AU" sz="1100" dirty="0" smtClean="0"/>
                     </a:p>
                   </a:txBody>
                   <a:tcPr/>
@@ -9560,7 +9471,6 @@
                         <a:rPr lang="en-AU" sz="1100" b="0" u="none" baseline="0" dirty="0" smtClean="0"/>
                         <a:t>Completed MVP/POC with 1 ML model - Stroke Prediction Model with cloud deployment</a:t>
                       </a:r>
-                      <a:endParaRPr lang="en-AU" sz="1100" b="0" u="none" baseline="0" dirty="0" smtClean="0"/>
                     </a:p>
                   </a:txBody>
                   <a:tcPr/>
@@ -9642,7 +9552,7 @@
                       <a:pPr algn="ctr"/>
                       <a:r>
                         <a:rPr lang="en-AU" sz="1100" dirty="0" smtClean="0"/>
-                        <a:t>In Progress</a:t>
+                        <a:t>Completed</a:t>
                       </a:r>
                       <a:endParaRPr lang="en-US" sz="1100" dirty="0"/>
                     </a:p>
@@ -9692,11 +9602,7 @@
                       </a:pPr>
                       <a:r>
                         <a:rPr lang="en-AU" sz="1100" baseline="0" dirty="0" smtClean="0"/>
-                        <a:t>End-to-end </a:t>
-                      </a:r>
-                      <a:r>
-                        <a:rPr lang="en-AU" sz="1100" baseline="0" dirty="0" smtClean="0"/>
-                        <a:t>testing</a:t>
+                        <a:t>End-to-end testing</a:t>
                       </a:r>
                       <a:endParaRPr lang="en-US" sz="1100" dirty="0"/>
                     </a:p>
@@ -9725,6 +9631,10 @@
                         <a:tabLst/>
                         <a:defRPr/>
                       </a:pPr>
+                      <a:r>
+                        <a:rPr lang="en-AU" sz="1100" dirty="0" smtClean="0"/>
+                        <a:t>In Progress</a:t>
+                      </a:r>
                       <a:endParaRPr lang="en-US" sz="1100" dirty="0" smtClean="0"/>
                     </a:p>
                   </a:txBody>
@@ -9773,11 +9683,7 @@
                       </a:pPr>
                       <a:r>
                         <a:rPr lang="en-AU" sz="1100" dirty="0" smtClean="0"/>
-                        <a:t> </a:t>
-                      </a:r>
-                      <a:r>
-                        <a:rPr lang="en-AU" sz="1100" dirty="0" smtClean="0"/>
-                        <a:t>Project presentation</a:t>
+                        <a:t> Project presentation</a:t>
                       </a:r>
                       <a:r>
                         <a:rPr lang="en-AU" sz="1100" baseline="0" dirty="0" smtClean="0"/>
@@ -15434,15 +15340,7 @@
                   <a:srgbClr val="FF0000"/>
                 </a:solidFill>
               </a:rPr>
-              <a:t>Machine </a:t>
-            </a:r>
-            <a:r>
-              <a:rPr lang="en-AU" sz="3200" b="1" dirty="0" smtClean="0">
-                <a:solidFill>
-                  <a:srgbClr val="FF0000"/>
-                </a:solidFill>
-              </a:rPr>
-              <a:t>Learning Models</a:t>
+              <a:t>Machine Learning Models</a:t>
             </a:r>
             <a:endParaRPr lang="en-US" sz="3200" b="1" dirty="0">
               <a:solidFill>
@@ -15478,7 +15376,6 @@
               <a:rPr lang="en-AU" sz="2800" b="1" dirty="0" smtClean="0"/>
               <a:t>“Health” App consists of:</a:t>
             </a:r>
-            <a:endParaRPr lang="en-AU" sz="2800" b="1" dirty="0" smtClean="0"/>
           </a:p>
           <a:p>
             <a:endParaRPr lang="en-AU" sz="1400" b="1" dirty="0" smtClean="0"/>
@@ -15520,13 +15417,8 @@
             </a:pPr>
             <a:r>
               <a:rPr lang="en-AU" sz="2000" dirty="0" smtClean="0"/>
-              <a:t>Travel Insurance </a:t>
-            </a:r>
-            <a:r>
-              <a:rPr lang="en-AU" sz="2000" dirty="0" smtClean="0"/>
-              <a:t>Indicator</a:t>
-            </a:r>
-            <a:endParaRPr lang="en-AU" sz="2000" dirty="0" smtClean="0"/>
+              <a:t>Travel Insurance Indicator</a:t>
+            </a:r>
           </a:p>
         </p:txBody>
       </p:sp>
@@ -15657,11 +15549,7 @@
           <a:p>
             <a:r>
               <a:rPr lang="en-AU" sz="2400" b="1" dirty="0" smtClean="0"/>
-              <a:t>Performed Exploratory Data Analysis (EDA) on </a:t>
-            </a:r>
-            <a:r>
-              <a:rPr lang="en-AU" sz="2400" b="1" dirty="0" smtClean="0"/>
-              <a:t>datasets</a:t>
+              <a:t>Performed Exploratory Data Analysis (EDA) on datasets</a:t>
             </a:r>
             <a:endParaRPr lang="en-AU" dirty="0" smtClean="0"/>
           </a:p>
@@ -15831,13 +15719,8 @@
             </a:r>
             <a:r>
               <a:rPr lang="en-AU" dirty="0" smtClean="0"/>
-              <a:t> Applied 12 different ML methods, 17 out of 21 columns are seemed relevant. Not user friendly as too many fields are required user </a:t>
-            </a:r>
-            <a:r>
-              <a:rPr lang="en-AU" dirty="0" smtClean="0"/>
-              <a:t>input</a:t>
-            </a:r>
-            <a:endParaRPr lang="en-AU" dirty="0" smtClean="0"/>
+              <a:t> Applied 12 different ML methods, 17 out of 21 columns are seemed relevant. Not user friendly as too many fields are required user input</a:t>
+            </a:r>
           </a:p>
         </p:txBody>
       </p:sp>
@@ -15866,11 +15749,7 @@
             <a:pPr marL="0" lvl="1"/>
             <a:r>
               <a:rPr lang="en-AU" b="1" dirty="0" smtClean="0"/>
-              <a:t>2.  Personality </a:t>
-            </a:r>
-            <a:r>
-              <a:rPr lang="en-AU" b="1" dirty="0" smtClean="0"/>
-              <a:t>Classification </a:t>
+              <a:t>2.  Personality Classification </a:t>
             </a:r>
             <a:r>
               <a:rPr lang="en-AU" dirty="0" smtClean="0"/>
@@ -15882,19 +15761,7 @@
             </a:r>
             <a:r>
               <a:rPr lang="en-AU" dirty="0" smtClean="0"/>
-              <a:t>(Big5 – Personality </a:t>
-            </a:r>
-            <a:r>
-              <a:rPr lang="en-AU" dirty="0" smtClean="0"/>
-              <a:t>Classification </a:t>
-            </a:r>
-            <a:r>
-              <a:rPr lang="en-AU" dirty="0" smtClean="0"/>
-              <a:t>based on Tweets): Dropped as they don’t meet the “Health” App </a:t>
-            </a:r>
-            <a:r>
-              <a:rPr lang="en-AU" dirty="0" smtClean="0"/>
-              <a:t>theme</a:t>
+              <a:t>(Big5 – Personality Classification based on Tweets): Dropped as they don’t meet the “Health” App theme</a:t>
             </a:r>
             <a:endParaRPr lang="en-US" dirty="0"/>
           </a:p>
